--- a/Algorithm/RL_GP.pptx
+++ b/Algorithm/RL_GP.pptx
@@ -278,7 +278,7 @@
           <a:p>
             <a:fld id="{BF932579-205E-4272-B44B-C921DD9D4722}" type="datetimeFigureOut">
               <a:rPr lang="ru-RU" smtClean="0"/>
-              <a:t>10.10.2022</a:t>
+              <a:t>17.10.2022</a:t>
             </a:fld>
             <a:endParaRPr lang="ru-RU"/>
           </a:p>
@@ -476,7 +476,7 @@
           <a:p>
             <a:fld id="{BF932579-205E-4272-B44B-C921DD9D4722}" type="datetimeFigureOut">
               <a:rPr lang="ru-RU" smtClean="0"/>
-              <a:t>10.10.2022</a:t>
+              <a:t>17.10.2022</a:t>
             </a:fld>
             <a:endParaRPr lang="ru-RU"/>
           </a:p>
@@ -684,7 +684,7 @@
           <a:p>
             <a:fld id="{BF932579-205E-4272-B44B-C921DD9D4722}" type="datetimeFigureOut">
               <a:rPr lang="ru-RU" smtClean="0"/>
-              <a:t>10.10.2022</a:t>
+              <a:t>17.10.2022</a:t>
             </a:fld>
             <a:endParaRPr lang="ru-RU"/>
           </a:p>
@@ -882,7 +882,7 @@
           <a:p>
             <a:fld id="{BF932579-205E-4272-B44B-C921DD9D4722}" type="datetimeFigureOut">
               <a:rPr lang="ru-RU" smtClean="0"/>
-              <a:t>10.10.2022</a:t>
+              <a:t>17.10.2022</a:t>
             </a:fld>
             <a:endParaRPr lang="ru-RU"/>
           </a:p>
@@ -1157,7 +1157,7 @@
           <a:p>
             <a:fld id="{BF932579-205E-4272-B44B-C921DD9D4722}" type="datetimeFigureOut">
               <a:rPr lang="ru-RU" smtClean="0"/>
-              <a:t>10.10.2022</a:t>
+              <a:t>17.10.2022</a:t>
             </a:fld>
             <a:endParaRPr lang="ru-RU"/>
           </a:p>
@@ -1422,7 +1422,7 @@
           <a:p>
             <a:fld id="{BF932579-205E-4272-B44B-C921DD9D4722}" type="datetimeFigureOut">
               <a:rPr lang="ru-RU" smtClean="0"/>
-              <a:t>10.10.2022</a:t>
+              <a:t>17.10.2022</a:t>
             </a:fld>
             <a:endParaRPr lang="ru-RU"/>
           </a:p>
@@ -1834,7 +1834,7 @@
           <a:p>
             <a:fld id="{BF932579-205E-4272-B44B-C921DD9D4722}" type="datetimeFigureOut">
               <a:rPr lang="ru-RU" smtClean="0"/>
-              <a:t>10.10.2022</a:t>
+              <a:t>17.10.2022</a:t>
             </a:fld>
             <a:endParaRPr lang="ru-RU"/>
           </a:p>
@@ -1975,7 +1975,7 @@
           <a:p>
             <a:fld id="{BF932579-205E-4272-B44B-C921DD9D4722}" type="datetimeFigureOut">
               <a:rPr lang="ru-RU" smtClean="0"/>
-              <a:t>10.10.2022</a:t>
+              <a:t>17.10.2022</a:t>
             </a:fld>
             <a:endParaRPr lang="ru-RU"/>
           </a:p>
@@ -2088,7 +2088,7 @@
           <a:p>
             <a:fld id="{BF932579-205E-4272-B44B-C921DD9D4722}" type="datetimeFigureOut">
               <a:rPr lang="ru-RU" smtClean="0"/>
-              <a:t>10.10.2022</a:t>
+              <a:t>17.10.2022</a:t>
             </a:fld>
             <a:endParaRPr lang="ru-RU"/>
           </a:p>
@@ -2399,7 +2399,7 @@
           <a:p>
             <a:fld id="{BF932579-205E-4272-B44B-C921DD9D4722}" type="datetimeFigureOut">
               <a:rPr lang="ru-RU" smtClean="0"/>
-              <a:t>10.10.2022</a:t>
+              <a:t>17.10.2022</a:t>
             </a:fld>
             <a:endParaRPr lang="ru-RU"/>
           </a:p>
@@ -2687,7 +2687,7 @@
           <a:p>
             <a:fld id="{BF932579-205E-4272-B44B-C921DD9D4722}" type="datetimeFigureOut">
               <a:rPr lang="ru-RU" smtClean="0"/>
-              <a:t>10.10.2022</a:t>
+              <a:t>17.10.2022</a:t>
             </a:fld>
             <a:endParaRPr lang="ru-RU"/>
           </a:p>
@@ -2928,7 +2928,7 @@
           <a:p>
             <a:fld id="{BF932579-205E-4272-B44B-C921DD9D4722}" type="datetimeFigureOut">
               <a:rPr lang="ru-RU" smtClean="0"/>
-              <a:t>10.10.2022</a:t>
+              <a:t>17.10.2022</a:t>
             </a:fld>
             <a:endParaRPr lang="ru-RU"/>
           </a:p>
